--- a/_3321_LMS.pptx
+++ b/_3321_LMS.pptx
@@ -3508,6 +3508,47 @@
           </a:p>
         </p:txBody>
       </p:sp>
+      <p:pic>
+        <p:nvPicPr>
+          <p:cNvPr id="1026" name="Picture 2" descr="Image result for harry potter icon"/>
+          <p:cNvPicPr>
+            <a:picLocks noChangeAspect="1" noChangeArrowheads="1"/>
+          </p:cNvPicPr>
+          <p:nvPr/>
+        </p:nvPicPr>
+        <p:blipFill>
+          <a:blip r:embed="rId2">
+            <a:extLst>
+              <a:ext uri="{28A0092B-C50C-407E-A947-70E740481C1C}">
+                <a14:useLocalDpi xmlns:a14="http://schemas.microsoft.com/office/drawing/2010/main" val="0"/>
+              </a:ext>
+            </a:extLst>
+          </a:blip>
+          <a:srcRect/>
+          <a:stretch>
+            <a:fillRect/>
+          </a:stretch>
+        </p:blipFill>
+        <p:spPr bwMode="auto">
+          <a:xfrm>
+            <a:off x="9709773" y="2648712"/>
+            <a:ext cx="1905000" cy="1905000"/>
+          </a:xfrm>
+          <a:prstGeom prst="rect">
+            <a:avLst/>
+          </a:prstGeom>
+          <a:noFill/>
+          <a:extLst>
+            <a:ext uri="{909E8E84-426E-40DD-AFC4-6F175D3DCCD1}">
+              <a14:hiddenFill xmlns:a14="http://schemas.microsoft.com/office/drawing/2010/main">
+                <a:solidFill>
+                  <a:srgbClr val="FFFFFF"/>
+                </a:solidFill>
+              </a14:hiddenFill>
+            </a:ext>
+          </a:extLst>
+        </p:spPr>
+      </p:pic>
     </p:spTree>
     <p:extLst>
       <p:ext uri="{BB962C8B-B14F-4D97-AF65-F5344CB8AC3E}">
@@ -7782,21 +7823,21 @@
                 <a:gridCol w="2593449">
                   <a:extLst>
                     <a:ext uri="{9D8B030D-6E8A-4147-A177-3AD203B41FA5}">
-                      <a16:colId xmlns:a16="http://schemas.microsoft.com/office/drawing/2014/main" xmlns="" val="20000"/>
+                      <a16:colId xmlns="" xmlns:a16="http://schemas.microsoft.com/office/drawing/2014/main" val="20000"/>
                     </a:ext>
                   </a:extLst>
                 </a:gridCol>
                 <a:gridCol w="3714146">
                   <a:extLst>
                     <a:ext uri="{9D8B030D-6E8A-4147-A177-3AD203B41FA5}">
-                      <a16:colId xmlns:a16="http://schemas.microsoft.com/office/drawing/2014/main" xmlns="" val="20001"/>
+                      <a16:colId xmlns="" xmlns:a16="http://schemas.microsoft.com/office/drawing/2014/main" val="20001"/>
                     </a:ext>
                   </a:extLst>
                 </a:gridCol>
                 <a:gridCol w="1472752">
                   <a:extLst>
                     <a:ext uri="{9D8B030D-6E8A-4147-A177-3AD203B41FA5}">
-                      <a16:colId xmlns:a16="http://schemas.microsoft.com/office/drawing/2014/main" xmlns="" val="20002"/>
+                      <a16:colId xmlns="" xmlns:a16="http://schemas.microsoft.com/office/drawing/2014/main" val="20002"/>
                     </a:ext>
                   </a:extLst>
                 </a:gridCol>
@@ -7844,7 +7885,7 @@
                 </a:tc>
                 <a:extLst>
                   <a:ext uri="{0D108BD9-81ED-4DB2-BD59-A6C34878D82A}">
-                    <a16:rowId xmlns:a16="http://schemas.microsoft.com/office/drawing/2014/main" xmlns="" val="10000"/>
+                    <a16:rowId xmlns="" xmlns:a16="http://schemas.microsoft.com/office/drawing/2014/main" val="10000"/>
                   </a:ext>
                 </a:extLst>
               </a:tr>
@@ -7903,7 +7944,7 @@
                 </a:tc>
                 <a:extLst>
                   <a:ext uri="{0D108BD9-81ED-4DB2-BD59-A6C34878D82A}">
-                    <a16:rowId xmlns:a16="http://schemas.microsoft.com/office/drawing/2014/main" xmlns="" val="10001"/>
+                    <a16:rowId xmlns="" xmlns:a16="http://schemas.microsoft.com/office/drawing/2014/main" val="10001"/>
                   </a:ext>
                 </a:extLst>
               </a:tr>
@@ -7954,7 +7995,7 @@
                 </a:tc>
                 <a:extLst>
                   <a:ext uri="{0D108BD9-81ED-4DB2-BD59-A6C34878D82A}">
-                    <a16:rowId xmlns:a16="http://schemas.microsoft.com/office/drawing/2014/main" xmlns="" val="10002"/>
+                    <a16:rowId xmlns="" xmlns:a16="http://schemas.microsoft.com/office/drawing/2014/main" val="10002"/>
                   </a:ext>
                 </a:extLst>
               </a:tr>
@@ -8005,7 +8046,7 @@
                 </a:tc>
                 <a:extLst>
                   <a:ext uri="{0D108BD9-81ED-4DB2-BD59-A6C34878D82A}">
-                    <a16:rowId xmlns:a16="http://schemas.microsoft.com/office/drawing/2014/main" xmlns="" val="10003"/>
+                    <a16:rowId xmlns="" xmlns:a16="http://schemas.microsoft.com/office/drawing/2014/main" val="10003"/>
                   </a:ext>
                 </a:extLst>
               </a:tr>
@@ -8061,7 +8102,7 @@
                 </a:tc>
                 <a:extLst>
                   <a:ext uri="{0D108BD9-81ED-4DB2-BD59-A6C34878D82A}">
-                    <a16:rowId xmlns:a16="http://schemas.microsoft.com/office/drawing/2014/main" xmlns="" val="10004"/>
+                    <a16:rowId xmlns="" xmlns:a16="http://schemas.microsoft.com/office/drawing/2014/main" val="10004"/>
                   </a:ext>
                 </a:extLst>
               </a:tr>
@@ -8132,7 +8173,7 @@
                 </a:tc>
                 <a:extLst>
                   <a:ext uri="{0D108BD9-81ED-4DB2-BD59-A6C34878D82A}">
-                    <a16:rowId xmlns:a16="http://schemas.microsoft.com/office/drawing/2014/main" xmlns="" val="10005"/>
+                    <a16:rowId xmlns="" xmlns:a16="http://schemas.microsoft.com/office/drawing/2014/main" val="10005"/>
                   </a:ext>
                 </a:extLst>
               </a:tr>
@@ -8183,7 +8224,7 @@
                 </a:tc>
                 <a:extLst>
                   <a:ext uri="{0D108BD9-81ED-4DB2-BD59-A6C34878D82A}">
-                    <a16:rowId xmlns:a16="http://schemas.microsoft.com/office/drawing/2014/main" xmlns="" val="10006"/>
+                    <a16:rowId xmlns="" xmlns:a16="http://schemas.microsoft.com/office/drawing/2014/main" val="10006"/>
                   </a:ext>
                 </a:extLst>
               </a:tr>
@@ -8280,21 +8321,21 @@
                 <a:gridCol w="2593449">
                   <a:extLst>
                     <a:ext uri="{9D8B030D-6E8A-4147-A177-3AD203B41FA5}">
-                      <a16:colId xmlns:a16="http://schemas.microsoft.com/office/drawing/2014/main" xmlns="" val="20000"/>
+                      <a16:colId xmlns="" xmlns:a16="http://schemas.microsoft.com/office/drawing/2014/main" val="20000"/>
                     </a:ext>
                   </a:extLst>
                 </a:gridCol>
                 <a:gridCol w="3714146">
                   <a:extLst>
                     <a:ext uri="{9D8B030D-6E8A-4147-A177-3AD203B41FA5}">
-                      <a16:colId xmlns:a16="http://schemas.microsoft.com/office/drawing/2014/main" xmlns="" val="20001"/>
+                      <a16:colId xmlns="" xmlns:a16="http://schemas.microsoft.com/office/drawing/2014/main" val="20001"/>
                     </a:ext>
                   </a:extLst>
                 </a:gridCol>
                 <a:gridCol w="1472752">
                   <a:extLst>
                     <a:ext uri="{9D8B030D-6E8A-4147-A177-3AD203B41FA5}">
-                      <a16:colId xmlns:a16="http://schemas.microsoft.com/office/drawing/2014/main" xmlns="" val="20002"/>
+                      <a16:colId xmlns="" xmlns:a16="http://schemas.microsoft.com/office/drawing/2014/main" val="20002"/>
                     </a:ext>
                   </a:extLst>
                 </a:gridCol>
@@ -8342,7 +8383,7 @@
                 </a:tc>
                 <a:extLst>
                   <a:ext uri="{0D108BD9-81ED-4DB2-BD59-A6C34878D82A}">
-                    <a16:rowId xmlns:a16="http://schemas.microsoft.com/office/drawing/2014/main" xmlns="" val="10000"/>
+                    <a16:rowId xmlns="" xmlns:a16="http://schemas.microsoft.com/office/drawing/2014/main" val="10000"/>
                   </a:ext>
                 </a:extLst>
               </a:tr>
@@ -8398,7 +8439,7 @@
                 </a:tc>
                 <a:extLst>
                   <a:ext uri="{0D108BD9-81ED-4DB2-BD59-A6C34878D82A}">
-                    <a16:rowId xmlns:a16="http://schemas.microsoft.com/office/drawing/2014/main" xmlns="" val="10001"/>
+                    <a16:rowId xmlns="" xmlns:a16="http://schemas.microsoft.com/office/drawing/2014/main" val="10001"/>
                   </a:ext>
                 </a:extLst>
               </a:tr>
@@ -8449,7 +8490,7 @@
                 </a:tc>
                 <a:extLst>
                   <a:ext uri="{0D108BD9-81ED-4DB2-BD59-A6C34878D82A}">
-                    <a16:rowId xmlns:a16="http://schemas.microsoft.com/office/drawing/2014/main" xmlns="" val="10002"/>
+                    <a16:rowId xmlns="" xmlns:a16="http://schemas.microsoft.com/office/drawing/2014/main" val="10002"/>
                   </a:ext>
                 </a:extLst>
               </a:tr>
@@ -8500,7 +8541,7 @@
                 </a:tc>
                 <a:extLst>
                   <a:ext uri="{0D108BD9-81ED-4DB2-BD59-A6C34878D82A}">
-                    <a16:rowId xmlns:a16="http://schemas.microsoft.com/office/drawing/2014/main" xmlns="" val="10003"/>
+                    <a16:rowId xmlns="" xmlns:a16="http://schemas.microsoft.com/office/drawing/2014/main" val="10003"/>
                   </a:ext>
                 </a:extLst>
               </a:tr>
@@ -8551,7 +8592,7 @@
                 </a:tc>
                 <a:extLst>
                   <a:ext uri="{0D108BD9-81ED-4DB2-BD59-A6C34878D82A}">
-                    <a16:rowId xmlns:a16="http://schemas.microsoft.com/office/drawing/2014/main" xmlns="" val="10004"/>
+                    <a16:rowId xmlns="" xmlns:a16="http://schemas.microsoft.com/office/drawing/2014/main" val="10004"/>
                   </a:ext>
                 </a:extLst>
               </a:tr>
@@ -8602,7 +8643,7 @@
                 </a:tc>
                 <a:extLst>
                   <a:ext uri="{0D108BD9-81ED-4DB2-BD59-A6C34878D82A}">
-                    <a16:rowId xmlns:a16="http://schemas.microsoft.com/office/drawing/2014/main" xmlns="" val="10005"/>
+                    <a16:rowId xmlns="" xmlns:a16="http://schemas.microsoft.com/office/drawing/2014/main" val="10005"/>
                   </a:ext>
                 </a:extLst>
               </a:tr>
@@ -8661,7 +8702,7 @@
                 </a:tc>
                 <a:extLst>
                   <a:ext uri="{0D108BD9-81ED-4DB2-BD59-A6C34878D82A}">
-                    <a16:rowId xmlns:a16="http://schemas.microsoft.com/office/drawing/2014/main" xmlns="" val="10006"/>
+                    <a16:rowId xmlns="" xmlns:a16="http://schemas.microsoft.com/office/drawing/2014/main" val="10006"/>
                   </a:ext>
                 </a:extLst>
               </a:tr>
@@ -8727,7 +8768,7 @@
           <p:cNvPr id="3" name="TextBox 3">
             <a:extLst>
               <a:ext uri="{FF2B5EF4-FFF2-40B4-BE49-F238E27FC236}">
-                <a16:creationId xmlns:a16="http://schemas.microsoft.com/office/drawing/2014/main" xmlns="" id="{758B8390-5E13-47D6-80C6-6128589A063F}"/>
+                <a16:creationId xmlns="" xmlns:a16="http://schemas.microsoft.com/office/drawing/2014/main" id="{758B8390-5E13-47D6-80C6-6128589A063F}"/>
               </a:ext>
             </a:extLst>
           </p:cNvPr>
@@ -8896,7 +8937,7 @@
           <p:cNvPr id="2" name="Title 1">
             <a:extLst>
               <a:ext uri="{FF2B5EF4-FFF2-40B4-BE49-F238E27FC236}">
-                <a16:creationId xmlns:a16="http://schemas.microsoft.com/office/drawing/2014/main" xmlns="" id="{325D54D6-955C-416E-814A-D92B143B67BD}"/>
+                <a16:creationId xmlns="" xmlns:a16="http://schemas.microsoft.com/office/drawing/2014/main" id="{325D54D6-955C-416E-814A-D92B143B67BD}"/>
               </a:ext>
             </a:extLst>
           </p:cNvPr>
